--- a/Presentazione_Progetto.pptx
+++ b/Presentazione_Progetto.pptx
@@ -6866,12 +6866,14 @@
         </p:nvSpPr>
         <p:spPr>
           <a:xfrm>
-            <a:off x="827424" y="2903220"/>
+            <a:off x="827424" y="2914650"/>
             <a:ext cx="10554574" cy="3595658"/>
           </a:xfrm>
         </p:spPr>
         <p:txBody>
-          <a:bodyPr/>
+          <a:bodyPr>
+            <a:normAutofit/>
+          </a:bodyPr>
           <a:lstStyle/>
           <a:p>
             <a:r>
@@ -6957,6 +6959,40 @@
           </a:p>
           <a:p>
             <a:pPr lvl="1"/>
+            <a:endParaRPr lang="it-IT" dirty="0"/>
+          </a:p>
+        </p:txBody>
+      </p:sp>
+      <p:sp>
+        <p:nvSpPr>
+          <p:cNvPr id="4" name="CasellaDiTesto 3"/>
+          <p:cNvSpPr txBox="1"/>
+          <p:nvPr/>
+        </p:nvSpPr>
+        <p:spPr>
+          <a:xfrm>
+            <a:off x="8412480" y="6140976"/>
+            <a:ext cx="4663440" cy="369332"/>
+          </a:xfrm>
+          <a:prstGeom prst="rect">
+            <a:avLst/>
+          </a:prstGeom>
+          <a:noFill/>
+        </p:spPr>
+        <p:txBody>
+          <a:bodyPr wrap="square" rtlCol="0">
+            <a:spAutoFit/>
+          </a:bodyPr>
+          <a:lstStyle/>
+          <a:p>
+            <a:r>
+              <a:rPr lang="it-IT" dirty="0" smtClean="0"/>
+              <a:t>Fonte: </a:t>
+            </a:r>
+            <a:r>
+              <a:rPr lang="it-IT" dirty="0" err="1" smtClean="0"/>
+              <a:t>www.dati.lombardia.it</a:t>
+            </a:r>
             <a:endParaRPr lang="it-IT" dirty="0"/>
           </a:p>
         </p:txBody>
